--- a/presentations/18-10-2022.pptx
+++ b/presentations/18-10-2022.pptx
@@ -245,7 +245,7 @@
           <a:p>
             <a:fld id="{1B83AAE7-7592-4D0C-AB16-81A271A7E5EA}" type="datetimeFigureOut">
               <a:rPr lang="en-US" smtClean="0"/>
-              <a:t>10/11/2022</a:t>
+              <a:t>10/18/2022</a:t>
             </a:fld>
             <a:endParaRPr lang="en-US"/>
           </a:p>
@@ -415,7 +415,7 @@
           <a:p>
             <a:fld id="{1B83AAE7-7592-4D0C-AB16-81A271A7E5EA}" type="datetimeFigureOut">
               <a:rPr lang="en-US" smtClean="0"/>
-              <a:t>10/11/2022</a:t>
+              <a:t>10/18/2022</a:t>
             </a:fld>
             <a:endParaRPr lang="en-US"/>
           </a:p>
@@ -595,7 +595,7 @@
           <a:p>
             <a:fld id="{1B83AAE7-7592-4D0C-AB16-81A271A7E5EA}" type="datetimeFigureOut">
               <a:rPr lang="en-US" smtClean="0"/>
-              <a:t>10/11/2022</a:t>
+              <a:t>10/18/2022</a:t>
             </a:fld>
             <a:endParaRPr lang="en-US"/>
           </a:p>
@@ -765,7 +765,7 @@
           <a:p>
             <a:fld id="{1B83AAE7-7592-4D0C-AB16-81A271A7E5EA}" type="datetimeFigureOut">
               <a:rPr lang="en-US" smtClean="0"/>
-              <a:t>10/11/2022</a:t>
+              <a:t>10/18/2022</a:t>
             </a:fld>
             <a:endParaRPr lang="en-US"/>
           </a:p>
@@ -1011,7 +1011,7 @@
           <a:p>
             <a:fld id="{1B83AAE7-7592-4D0C-AB16-81A271A7E5EA}" type="datetimeFigureOut">
               <a:rPr lang="en-US" smtClean="0"/>
-              <a:t>10/11/2022</a:t>
+              <a:t>10/18/2022</a:t>
             </a:fld>
             <a:endParaRPr lang="en-US"/>
           </a:p>
@@ -1243,7 +1243,7 @@
           <a:p>
             <a:fld id="{1B83AAE7-7592-4D0C-AB16-81A271A7E5EA}" type="datetimeFigureOut">
               <a:rPr lang="en-US" smtClean="0"/>
-              <a:t>10/11/2022</a:t>
+              <a:t>10/18/2022</a:t>
             </a:fld>
             <a:endParaRPr lang="en-US"/>
           </a:p>
@@ -1610,7 +1610,7 @@
           <a:p>
             <a:fld id="{1B83AAE7-7592-4D0C-AB16-81A271A7E5EA}" type="datetimeFigureOut">
               <a:rPr lang="en-US" smtClean="0"/>
-              <a:t>10/11/2022</a:t>
+              <a:t>10/18/2022</a:t>
             </a:fld>
             <a:endParaRPr lang="en-US"/>
           </a:p>
@@ -1728,7 +1728,7 @@
           <a:p>
             <a:fld id="{1B83AAE7-7592-4D0C-AB16-81A271A7E5EA}" type="datetimeFigureOut">
               <a:rPr lang="en-US" smtClean="0"/>
-              <a:t>10/11/2022</a:t>
+              <a:t>10/18/2022</a:t>
             </a:fld>
             <a:endParaRPr lang="en-US"/>
           </a:p>
@@ -1823,7 +1823,7 @@
           <a:p>
             <a:fld id="{1B83AAE7-7592-4D0C-AB16-81A271A7E5EA}" type="datetimeFigureOut">
               <a:rPr lang="en-US" smtClean="0"/>
-              <a:t>10/11/2022</a:t>
+              <a:t>10/18/2022</a:t>
             </a:fld>
             <a:endParaRPr lang="en-US"/>
           </a:p>
@@ -2100,7 +2100,7 @@
           <a:p>
             <a:fld id="{1B83AAE7-7592-4D0C-AB16-81A271A7E5EA}" type="datetimeFigureOut">
               <a:rPr lang="en-US" smtClean="0"/>
-              <a:t>10/11/2022</a:t>
+              <a:t>10/18/2022</a:t>
             </a:fld>
             <a:endParaRPr lang="en-US"/>
           </a:p>
@@ -2353,7 +2353,7 @@
           <a:p>
             <a:fld id="{1B83AAE7-7592-4D0C-AB16-81A271A7E5EA}" type="datetimeFigureOut">
               <a:rPr lang="en-US" smtClean="0"/>
-              <a:t>10/11/2022</a:t>
+              <a:t>10/18/2022</a:t>
             </a:fld>
             <a:endParaRPr lang="en-US"/>
           </a:p>
@@ -2566,7 +2566,7 @@
           <a:p>
             <a:fld id="{1B83AAE7-7592-4D0C-AB16-81A271A7E5EA}" type="datetimeFigureOut">
               <a:rPr lang="en-US" smtClean="0"/>
-              <a:t>10/11/2022</a:t>
+              <a:t>10/18/2022</a:t>
             </a:fld>
             <a:endParaRPr lang="en-US"/>
           </a:p>
@@ -3019,6 +3019,13 @@
   <p:clrMapOvr>
     <a:masterClrMapping/>
   </p:clrMapOvr>
+  <p:timing>
+    <p:tnLst>
+      <p:par>
+        <p:cTn id="1" dur="indefinite" restart="never" nodeType="tmRoot"/>
+      </p:par>
+    </p:tnLst>
+  </p:timing>
 </p:sld>
 </file>
 
@@ -3068,9 +3075,16 @@
             <p:ph idx="1"/>
           </p:nvPr>
         </p:nvSpPr>
-        <p:spPr/>
-        <p:txBody>
-          <a:bodyPr/>
+        <p:spPr>
+          <a:xfrm>
+            <a:off x="838199" y="1825625"/>
+            <a:ext cx="6521143" cy="4351338"/>
+          </a:xfrm>
+        </p:spPr>
+        <p:txBody>
+          <a:bodyPr>
+            <a:normAutofit lnSpcReduction="10000"/>
+          </a:bodyPr>
           <a:lstStyle/>
           <a:p>
             <a:r>
@@ -3095,7 +3109,25 @@
               <a:rPr lang="en-US" dirty="0" smtClean="0">
                 <a:sym typeface="Wingdings" panose="05000000000000000000" pitchFamily="2" charset="2"/>
               </a:rPr>
-              <a:t>: Rescaled time series to match U of Delaware GMT over 1980-2010</a:t>
+              <a:t>: </a:t>
+            </a:r>
+            <a:endParaRPr lang="en-US" dirty="0" smtClean="0">
+              <a:sym typeface="Wingdings" panose="05000000000000000000" pitchFamily="2" charset="2"/>
+            </a:endParaRPr>
+          </a:p>
+          <a:p>
+            <a:pPr lvl="1"/>
+            <a:r>
+              <a:rPr lang="en-US" dirty="0" smtClean="0">
+                <a:sym typeface="Wingdings" panose="05000000000000000000" pitchFamily="2" charset="2"/>
+              </a:rPr>
+              <a:t>Rescaled </a:t>
+            </a:r>
+            <a:r>
+              <a:rPr lang="en-US" dirty="0" smtClean="0">
+                <a:sym typeface="Wingdings" panose="05000000000000000000" pitchFamily="2" charset="2"/>
+              </a:rPr>
+              <a:t>time series to match U of Delaware GMT over 1980-2010</a:t>
             </a:r>
           </a:p>
           <a:p>
@@ -3106,16 +3138,31 @@
               </a:rPr>
               <a:t>Alters the intercept </a:t>
             </a:r>
+          </a:p>
+          <a:p>
+            <a:r>
+              <a:rPr lang="en-US" dirty="0" smtClean="0">
+                <a:sym typeface="Wingdings" panose="05000000000000000000" pitchFamily="2" charset="2"/>
+              </a:rPr>
+              <a:t>GMT anomaly: </a:t>
+            </a:r>
             <a:endParaRPr lang="en-US" dirty="0" smtClean="0">
               <a:sym typeface="Wingdings" panose="05000000000000000000" pitchFamily="2" charset="2"/>
             </a:endParaRPr>
           </a:p>
           <a:p>
+            <a:pPr lvl="1"/>
             <a:r>
               <a:rPr lang="en-US" dirty="0" smtClean="0">
                 <a:sym typeface="Wingdings" panose="05000000000000000000" pitchFamily="2" charset="2"/>
               </a:rPr>
-              <a:t>GMT anomaly: HadCRUT5 (historical) + MAGICC7 (SSPs)</a:t>
+              <a:t>HadCRUT5 </a:t>
+            </a:r>
+            <a:r>
+              <a:rPr lang="en-US" dirty="0" smtClean="0">
+                <a:sym typeface="Wingdings" panose="05000000000000000000" pitchFamily="2" charset="2"/>
+              </a:rPr>
+              <a:t>(historical) + MAGICC7 (SSPs)</a:t>
             </a:r>
           </a:p>
           <a:p>
@@ -3161,8 +3208,38 @@
         </p:blipFill>
         <p:spPr>
           <a:xfrm>
-            <a:off x="1628983" y="4376100"/>
-            <a:ext cx="2880223" cy="2160167"/>
+            <a:off x="7561142" y="3359631"/>
+            <a:ext cx="4359693" cy="3269769"/>
+          </a:xfrm>
+          <a:prstGeom prst="rect">
+            <a:avLst/>
+          </a:prstGeom>
+        </p:spPr>
+      </p:pic>
+      <p:pic>
+        <p:nvPicPr>
+          <p:cNvPr id="5" name="Picture 4"/>
+          <p:cNvPicPr>
+            <a:picLocks noChangeAspect="1"/>
+          </p:cNvPicPr>
+          <p:nvPr/>
+        </p:nvPicPr>
+        <p:blipFill>
+          <a:blip r:embed="rId3">
+            <a:extLst>
+              <a:ext uri="{28A0092B-C50C-407E-A947-70E740481C1C}">
+                <a14:useLocalDpi xmlns:a14="http://schemas.microsoft.com/office/drawing/2010/main" val="0"/>
+              </a:ext>
+            </a:extLst>
+          </a:blip>
+          <a:stretch>
+            <a:fillRect/>
+          </a:stretch>
+        </p:blipFill>
+        <p:spPr>
+          <a:xfrm>
+            <a:off x="7561142" y="206504"/>
+            <a:ext cx="4317655" cy="3238241"/>
           </a:xfrm>
           <a:prstGeom prst="rect">
             <a:avLst/>
@@ -3179,6 +3256,13 @@
   <p:clrMapOvr>
     <a:masterClrMapping/>
   </p:clrMapOvr>
+  <p:timing>
+    <p:tnLst>
+      <p:par>
+        <p:cTn id="1" dur="indefinite" restart="never" nodeType="tmRoot"/>
+      </p:par>
+    </p:tnLst>
+  </p:timing>
 </p:sld>
 </file>
 
@@ -3312,6 +3396,13 @@
   <p:clrMapOvr>
     <a:masterClrMapping/>
   </p:clrMapOvr>
+  <p:timing>
+    <p:tnLst>
+      <p:par>
+        <p:cTn id="1" dur="indefinite" restart="never" nodeType="tmRoot"/>
+      </p:par>
+    </p:tnLst>
+  </p:timing>
 </p:sld>
 </file>
 
